--- a/review/0407/noritsuna_sampleADC_Analyze.pptx
+++ b/review/0407/noritsuna_sampleADC_Analyze.pptx
@@ -117,13 +117,18 @@
       </a:defRPr>
     </a:lvl9pPr>
   </p:defaultTextStyle>
+  <p:extLst>
+    <p:ext uri="{EFAFB233-063F-42B5-8137-9DF3F51BA10A}">
+      <p15:sldGuideLst xmlns:p15="http://schemas.microsoft.com/office/powerpoint/2012/main"/>
+    </p:ext>
+  </p:extLst>
 </p:presentation>
 </file>
 
 <file path=ppt/revisionInfo.xml><?xml version="1.0" encoding="utf-8"?>
 <p1510:revInfo xmlns:a="http://schemas.openxmlformats.org/drawingml/2006/main" xmlns:r="http://schemas.openxmlformats.org/officeDocument/2006/relationships" xmlns:p1510="http://schemas.microsoft.com/office/powerpoint/2015/10/main">
   <p1510:revLst>
-    <p1510:client id="{ECA0ABB1-C11D-44DB-88D1-4B3CBF9C1A6E}" v="20" dt="2024-04-06T07:52:53.856"/>
+    <p1510:client id="{ECA0ABB1-C11D-44DB-88D1-4B3CBF9C1A6E}" v="21" dt="2024-04-06T08:03:44.013"/>
   </p1510:revLst>
 </p1510:revInfo>
 </file>
@@ -133,7 +138,7 @@
   <pc:docChgLst>
     <pc:chgData name="Noritsuna Imamura" userId="5b2da16fa1785921" providerId="LiveId" clId="{ECA0ABB1-C11D-44DB-88D1-4B3CBF9C1A6E}"/>
     <pc:docChg chg="undo redo custSel addSld delSld modSld sldOrd">
-      <pc:chgData name="Noritsuna Imamura" userId="5b2da16fa1785921" providerId="LiveId" clId="{ECA0ABB1-C11D-44DB-88D1-4B3CBF9C1A6E}" dt="2024-04-06T07:57:53.652" v="1382" actId="20577"/>
+      <pc:chgData name="Noritsuna Imamura" userId="5b2da16fa1785921" providerId="LiveId" clId="{ECA0ABB1-C11D-44DB-88D1-4B3CBF9C1A6E}" dt="2024-04-06T08:03:46.322" v="1386" actId="6549"/>
       <pc:docMkLst>
         <pc:docMk/>
       </pc:docMkLst>
@@ -705,13 +710,13 @@
         </pc:cxnChg>
       </pc:sldChg>
       <pc:sldChg chg="addSp delSp modSp new mod setBg">
-        <pc:chgData name="Noritsuna Imamura" userId="5b2da16fa1785921" providerId="LiveId" clId="{ECA0ABB1-C11D-44DB-88D1-4B3CBF9C1A6E}" dt="2024-04-06T07:54:15.468" v="1234" actId="20577"/>
+        <pc:chgData name="Noritsuna Imamura" userId="5b2da16fa1785921" providerId="LiveId" clId="{ECA0ABB1-C11D-44DB-88D1-4B3CBF9C1A6E}" dt="2024-04-06T08:03:46.322" v="1386" actId="6549"/>
         <pc:sldMkLst>
           <pc:docMk/>
           <pc:sldMk cId="538659710" sldId="265"/>
         </pc:sldMkLst>
         <pc:spChg chg="mod">
-          <ac:chgData name="Noritsuna Imamura" userId="5b2da16fa1785921" providerId="LiveId" clId="{ECA0ABB1-C11D-44DB-88D1-4B3CBF9C1A6E}" dt="2024-04-06T07:54:15.468" v="1234" actId="20577"/>
+          <ac:chgData name="Noritsuna Imamura" userId="5b2da16fa1785921" providerId="LiveId" clId="{ECA0ABB1-C11D-44DB-88D1-4B3CBF9C1A6E}" dt="2024-04-06T08:03:46.322" v="1386" actId="6549"/>
           <ac:spMkLst>
             <pc:docMk/>
             <pc:sldMk cId="538659710" sldId="265"/>
@@ -7592,12 +7597,28 @@
               <a:t>差動入力</a:t>
             </a:r>
             <a:r>
-              <a:rPr lang="en-US" altLang="ja-JP" sz="1600" dirty="0">
+              <a:rPr lang="en-US" altLang="ja-JP" sz="1600">
                 <a:solidFill>
                   <a:srgbClr val="FFFFFF"/>
                 </a:solidFill>
               </a:rPr>
               <a:t>10bit SAR-DAC</a:t>
+            </a:r>
+            <a:br>
+              <a:rPr lang="en-US" altLang="ja-JP" sz="1600">
+                <a:solidFill>
+                  <a:srgbClr val="FFFFFF"/>
+                </a:solidFill>
+              </a:rPr>
+            </a:br>
+            <a:r>
+              <a:rPr lang="en-US" altLang="ja-JP" sz="1600">
+                <a:solidFill>
+                  <a:srgbClr val="FFFFFF"/>
+                </a:solidFill>
+                <a:hlinkClick r:id="rId2"/>
+              </a:rPr>
+              <a:t>https://github.com/christoph-weiser/mpw7</a:t>
             </a:r>
             <a:endParaRPr kumimoji="1" lang="ja-JP" altLang="en-US" sz="3600" kern="1200" dirty="0">
               <a:solidFill>
@@ -7627,7 +7648,7 @@
           </p:nvPr>
         </p:nvPicPr>
         <p:blipFill>
-          <a:blip r:embed="rId2"/>
+          <a:blip r:embed="rId3"/>
           <a:stretch>
             <a:fillRect/>
           </a:stretch>

--- a/review/0407/noritsuna_sampleADC_Analyze.pptx
+++ b/review/0407/noritsuna_sampleADC_Analyze.pptx
@@ -138,7 +138,7 @@
   <pc:docChgLst>
     <pc:chgData name="Noritsuna Imamura" userId="5b2da16fa1785921" providerId="LiveId" clId="{ECA0ABB1-C11D-44DB-88D1-4B3CBF9C1A6E}"/>
     <pc:docChg chg="undo redo custSel addSld delSld modSld sldOrd">
-      <pc:chgData name="Noritsuna Imamura" userId="5b2da16fa1785921" providerId="LiveId" clId="{ECA0ABB1-C11D-44DB-88D1-4B3CBF9C1A6E}" dt="2024-04-06T08:03:46.322" v="1386" actId="6549"/>
+      <pc:chgData name="Noritsuna Imamura" userId="5b2da16fa1785921" providerId="LiveId" clId="{ECA0ABB1-C11D-44DB-88D1-4B3CBF9C1A6E}" dt="2024-04-06T09:53:19.325" v="1521" actId="20577"/>
       <pc:docMkLst>
         <pc:docMk/>
       </pc:docMkLst>
@@ -1396,7 +1396,7 @@
         </pc:picChg>
       </pc:sldChg>
       <pc:sldChg chg="addSp modSp new mod ord setBg">
-        <pc:chgData name="Noritsuna Imamura" userId="5b2da16fa1785921" providerId="LiveId" clId="{ECA0ABB1-C11D-44DB-88D1-4B3CBF9C1A6E}" dt="2024-04-06T07:48:15.204" v="1122" actId="20577"/>
+        <pc:chgData name="Noritsuna Imamura" userId="5b2da16fa1785921" providerId="LiveId" clId="{ECA0ABB1-C11D-44DB-88D1-4B3CBF9C1A6E}" dt="2024-04-06T09:52:22.609" v="1449" actId="14100"/>
         <pc:sldMkLst>
           <pc:docMk/>
           <pc:sldMk cId="2216378774" sldId="275"/>
@@ -1410,7 +1410,7 @@
           </ac:spMkLst>
         </pc:spChg>
         <pc:spChg chg="mod ord">
-          <ac:chgData name="Noritsuna Imamura" userId="5b2da16fa1785921" providerId="LiveId" clId="{ECA0ABB1-C11D-44DB-88D1-4B3CBF9C1A6E}" dt="2024-04-06T07:48:15.204" v="1122" actId="20577"/>
+          <ac:chgData name="Noritsuna Imamura" userId="5b2da16fa1785921" providerId="LiveId" clId="{ECA0ABB1-C11D-44DB-88D1-4B3CBF9C1A6E}" dt="2024-04-06T09:52:22.609" v="1449" actId="14100"/>
           <ac:spMkLst>
             <pc:docMk/>
             <pc:sldMk cId="2216378774" sldId="275"/>
@@ -1482,13 +1482,13 @@
         </pc:spChg>
       </pc:sldChg>
       <pc:sldChg chg="addSp modSp new mod ord setBg">
-        <pc:chgData name="Noritsuna Imamura" userId="5b2da16fa1785921" providerId="LiveId" clId="{ECA0ABB1-C11D-44DB-88D1-4B3CBF9C1A6E}" dt="2024-04-06T07:50:16.532" v="1186" actId="14100"/>
+        <pc:chgData name="Noritsuna Imamura" userId="5b2da16fa1785921" providerId="LiveId" clId="{ECA0ABB1-C11D-44DB-88D1-4B3CBF9C1A6E}" dt="2024-04-06T09:53:19.325" v="1521" actId="20577"/>
         <pc:sldMkLst>
           <pc:docMk/>
           <pc:sldMk cId="2103938376" sldId="276"/>
         </pc:sldMkLst>
         <pc:spChg chg="mod">
-          <ac:chgData name="Noritsuna Imamura" userId="5b2da16fa1785921" providerId="LiveId" clId="{ECA0ABB1-C11D-44DB-88D1-4B3CBF9C1A6E}" dt="2024-04-06T07:50:16.532" v="1186" actId="14100"/>
+          <ac:chgData name="Noritsuna Imamura" userId="5b2da16fa1785921" providerId="LiveId" clId="{ECA0ABB1-C11D-44DB-88D1-4B3CBF9C1A6E}" dt="2024-04-06T09:53:19.325" v="1521" actId="20577"/>
           <ac:spMkLst>
             <pc:docMk/>
             <pc:sldMk cId="2103938376" sldId="276"/>
@@ -1496,7 +1496,7 @@
           </ac:spMkLst>
         </pc:spChg>
         <pc:spChg chg="mod">
-          <ac:chgData name="Noritsuna Imamura" userId="5b2da16fa1785921" providerId="LiveId" clId="{ECA0ABB1-C11D-44DB-88D1-4B3CBF9C1A6E}" dt="2024-04-06T07:49:55.034" v="1181" actId="20577"/>
+          <ac:chgData name="Noritsuna Imamura" userId="5b2da16fa1785921" providerId="LiveId" clId="{ECA0ABB1-C11D-44DB-88D1-4B3CBF9C1A6E}" dt="2024-04-06T09:52:50.709" v="1469" actId="20577"/>
           <ac:spMkLst>
             <pc:docMk/>
             <pc:sldMk cId="2103938376" sldId="276"/>
@@ -6808,8 +6808,8 @@
         </p:nvSpPr>
         <p:spPr>
           <a:xfrm>
-            <a:off x="5246415" y="4230094"/>
-            <a:ext cx="6235268" cy="1800164"/>
+            <a:off x="5246414" y="4230094"/>
+            <a:ext cx="6412185" cy="1800164"/>
           </a:xfrm>
         </p:spPr>
         <p:txBody>
@@ -6841,7 +6841,7 @@
                 <a:ea typeface="+mn-ea"/>
                 <a:cs typeface="+mn-cs"/>
               </a:rPr>
-              <a:t>バッファーが必要な模様。</a:t>
+              <a:t>デジタル→アナログ駆動用？バッファーが必要な模様。</a:t>
             </a:r>
             <a:endParaRPr kumimoji="1" lang="en-US" altLang="ja-JP" sz="2000" kern="1200" dirty="0">
               <a:latin typeface="+mn-lt"/>
@@ -6857,20 +6857,11 @@
               <a:rPr lang="ja-JP" altLang="en-US" sz="2000" dirty="0"/>
               <a:t>誰も作ってないはず・・・</a:t>
             </a:r>
-            <a:endParaRPr lang="en-US" altLang="ja-JP" sz="2000" dirty="0"/>
-          </a:p>
-          <a:p>
-            <a:pPr marL="0" indent="0">
-              <a:buNone/>
-            </a:pPr>
-            <a:r>
-              <a:rPr kumimoji="1" lang="ja-JP" altLang="en-US" sz="2000" kern="1200" dirty="0">
-                <a:latin typeface="+mn-lt"/>
-                <a:ea typeface="+mn-ea"/>
-                <a:cs typeface="+mn-cs"/>
-              </a:rPr>
-              <a:t>無くてもよさそうだけど・・・</a:t>
-            </a:r>
+            <a:endParaRPr kumimoji="1" lang="ja-JP" altLang="en-US" sz="2000" kern="1200" dirty="0">
+              <a:latin typeface="+mn-lt"/>
+              <a:ea typeface="+mn-ea"/>
+              <a:cs typeface="+mn-cs"/>
+            </a:endParaRPr>
           </a:p>
           <a:p>
             <a:endParaRPr kumimoji="1" lang="ja-JP" altLang="en-US" sz="2000" dirty="0"/>
@@ -11109,7 +11100,7 @@
         </p:spPr>
         <p:txBody>
           <a:bodyPr vert="horz" lIns="91440" tIns="45720" rIns="91440" bIns="45720" rtlCol="0" anchor="t">
-            <a:normAutofit/>
+            <a:normAutofit fontScale="90000"/>
           </a:bodyPr>
           <a:lstStyle/>
           <a:p>
@@ -11124,6 +11115,48 @@
               </a:rPr>
               <a:t>ラッチアップ回路</a:t>
             </a:r>
+            <a:br>
+              <a:rPr kumimoji="1" lang="en-US" altLang="ja-JP" sz="4000" kern="1200" dirty="0">
+                <a:solidFill>
+                  <a:srgbClr val="FFFFFF"/>
+                </a:solidFill>
+                <a:latin typeface="+mj-lt"/>
+                <a:ea typeface="+mj-ea"/>
+                <a:cs typeface="+mj-cs"/>
+              </a:rPr>
+            </a:br>
+            <a:r>
+              <a:rPr kumimoji="1" lang="ja-JP" altLang="en-US" sz="4000" kern="1200" dirty="0">
+                <a:solidFill>
+                  <a:srgbClr val="FFFFFF"/>
+                </a:solidFill>
+                <a:latin typeface="+mj-lt"/>
+                <a:ea typeface="+mj-ea"/>
+                <a:cs typeface="+mj-cs"/>
+              </a:rPr>
+              <a:t>と</a:t>
+            </a:r>
+            <a:br>
+              <a:rPr kumimoji="1" lang="en-US" altLang="ja-JP" sz="4000" kern="1200" dirty="0">
+                <a:solidFill>
+                  <a:srgbClr val="FFFFFF"/>
+                </a:solidFill>
+                <a:latin typeface="+mj-lt"/>
+                <a:ea typeface="+mj-ea"/>
+                <a:cs typeface="+mj-cs"/>
+              </a:rPr>
+            </a:br>
+            <a:r>
+              <a:rPr kumimoji="1" lang="ja-JP" altLang="en-US" sz="4000" kern="1200" dirty="0">
+                <a:solidFill>
+                  <a:srgbClr val="FFFFFF"/>
+                </a:solidFill>
+                <a:latin typeface="+mj-lt"/>
+                <a:ea typeface="+mj-ea"/>
+                <a:cs typeface="+mj-cs"/>
+              </a:rPr>
+              <a:t>デジタル→アナログ駆動用スイッチ</a:t>
+            </a:r>
           </a:p>
         </p:txBody>
       </p:sp>
@@ -11167,7 +11200,7 @@
                 <a:ea typeface="+mn-ea"/>
                 <a:cs typeface="+mn-cs"/>
               </a:rPr>
-              <a:t>こちらはきなこさんに作ってもらっている</a:t>
+              <a:t>こちらはスイッチも含めてきなこさんに作ってもらっている</a:t>
             </a:r>
           </a:p>
         </p:txBody>
